--- a/salud.pptx
+++ b/salud.pptx
@@ -104,6 +104,11 @@
       </a:defRPr>
     </a:lvl9pPr>
   </p:defaultTextStyle>
+  <p:extLst>
+    <p:ext uri="{EFAFB233-063F-42B5-8137-9DF3F51BA10A}">
+      <p15:sldGuideLst xmlns:p15="http://schemas.microsoft.com/office/powerpoint/2012/main"/>
+    </p:ext>
+  </p:extLst>
 </p:presentation>
 </file>
 
@@ -254,7 +259,7 @@
           <a:p>
             <a:fld id="{AA0BCF1E-859B-4C16-B18D-C62EC1C7489F}" type="datetimeFigureOut">
               <a:rPr lang="es-ES" smtClean="0"/>
-              <a:t>18/08/2022</a:t>
+              <a:t>19/08/2022</a:t>
             </a:fld>
             <a:endParaRPr lang="es-ES"/>
           </a:p>
@@ -452,7 +457,7 @@
           <a:p>
             <a:fld id="{AA0BCF1E-859B-4C16-B18D-C62EC1C7489F}" type="datetimeFigureOut">
               <a:rPr lang="es-ES" smtClean="0"/>
-              <a:t>18/08/2022</a:t>
+              <a:t>19/08/2022</a:t>
             </a:fld>
             <a:endParaRPr lang="es-ES"/>
           </a:p>
@@ -660,7 +665,7 @@
           <a:p>
             <a:fld id="{AA0BCF1E-859B-4C16-B18D-C62EC1C7489F}" type="datetimeFigureOut">
               <a:rPr lang="es-ES" smtClean="0"/>
-              <a:t>18/08/2022</a:t>
+              <a:t>19/08/2022</a:t>
             </a:fld>
             <a:endParaRPr lang="es-ES"/>
           </a:p>
@@ -858,7 +863,7 @@
           <a:p>
             <a:fld id="{AA0BCF1E-859B-4C16-B18D-C62EC1C7489F}" type="datetimeFigureOut">
               <a:rPr lang="es-ES" smtClean="0"/>
-              <a:t>18/08/2022</a:t>
+              <a:t>19/08/2022</a:t>
             </a:fld>
             <a:endParaRPr lang="es-ES"/>
           </a:p>
@@ -1133,7 +1138,7 @@
           <a:p>
             <a:fld id="{AA0BCF1E-859B-4C16-B18D-C62EC1C7489F}" type="datetimeFigureOut">
               <a:rPr lang="es-ES" smtClean="0"/>
-              <a:t>18/08/2022</a:t>
+              <a:t>19/08/2022</a:t>
             </a:fld>
             <a:endParaRPr lang="es-ES"/>
           </a:p>
@@ -1398,7 +1403,7 @@
           <a:p>
             <a:fld id="{AA0BCF1E-859B-4C16-B18D-C62EC1C7489F}" type="datetimeFigureOut">
               <a:rPr lang="es-ES" smtClean="0"/>
-              <a:t>18/08/2022</a:t>
+              <a:t>19/08/2022</a:t>
             </a:fld>
             <a:endParaRPr lang="es-ES"/>
           </a:p>
@@ -1810,7 +1815,7 @@
           <a:p>
             <a:fld id="{AA0BCF1E-859B-4C16-B18D-C62EC1C7489F}" type="datetimeFigureOut">
               <a:rPr lang="es-ES" smtClean="0"/>
-              <a:t>18/08/2022</a:t>
+              <a:t>19/08/2022</a:t>
             </a:fld>
             <a:endParaRPr lang="es-ES"/>
           </a:p>
@@ -1951,7 +1956,7 @@
           <a:p>
             <a:fld id="{AA0BCF1E-859B-4C16-B18D-C62EC1C7489F}" type="datetimeFigureOut">
               <a:rPr lang="es-ES" smtClean="0"/>
-              <a:t>18/08/2022</a:t>
+              <a:t>19/08/2022</a:t>
             </a:fld>
             <a:endParaRPr lang="es-ES"/>
           </a:p>
@@ -2064,7 +2069,7 @@
           <a:p>
             <a:fld id="{AA0BCF1E-859B-4C16-B18D-C62EC1C7489F}" type="datetimeFigureOut">
               <a:rPr lang="es-ES" smtClean="0"/>
-              <a:t>18/08/2022</a:t>
+              <a:t>19/08/2022</a:t>
             </a:fld>
             <a:endParaRPr lang="es-ES"/>
           </a:p>
@@ -2375,7 +2380,7 @@
           <a:p>
             <a:fld id="{AA0BCF1E-859B-4C16-B18D-C62EC1C7489F}" type="datetimeFigureOut">
               <a:rPr lang="es-ES" smtClean="0"/>
-              <a:t>18/08/2022</a:t>
+              <a:t>19/08/2022</a:t>
             </a:fld>
             <a:endParaRPr lang="es-ES"/>
           </a:p>
@@ -2663,7 +2668,7 @@
           <a:p>
             <a:fld id="{AA0BCF1E-859B-4C16-B18D-C62EC1C7489F}" type="datetimeFigureOut">
               <a:rPr lang="es-ES" smtClean="0"/>
-              <a:t>18/08/2022</a:t>
+              <a:t>19/08/2022</a:t>
             </a:fld>
             <a:endParaRPr lang="es-ES"/>
           </a:p>
@@ -2904,7 +2909,7 @@
           <a:p>
             <a:fld id="{AA0BCF1E-859B-4C16-B18D-C62EC1C7489F}" type="datetimeFigureOut">
               <a:rPr lang="es-ES" smtClean="0"/>
-              <a:t>18/08/2022</a:t>
+              <a:t>19/08/2022</a:t>
             </a:fld>
             <a:endParaRPr lang="es-ES"/>
           </a:p>
@@ -3839,8 +3844,8 @@
         </p:nvSpPr>
         <p:spPr>
           <a:xfrm>
-            <a:off x="551216" y="4013166"/>
-            <a:ext cx="11547954" cy="646331"/>
+            <a:off x="702365" y="4013166"/>
+            <a:ext cx="10840278" cy="923330"/>
           </a:xfrm>
           <a:prstGeom prst="rect">
             <a:avLst/>
@@ -3891,7 +3896,31 @@
             </a:r>
             <a:r>
               <a:rPr lang="es-ES" dirty="0"/>
-              <a:t>, trabajar la </a:t>
+              <a:t>, </a:t>
+            </a:r>
+            <a:r>
+              <a:rPr lang="es-ES" b="1" dirty="0"/>
+              <a:t>velocidad</a:t>
+            </a:r>
+            <a:r>
+              <a:rPr lang="es-ES" dirty="0"/>
+              <a:t>, </a:t>
+            </a:r>
+            <a:r>
+              <a:rPr lang="es-ES" b="1" dirty="0"/>
+              <a:t>tecnologías</a:t>
+            </a:r>
+            <a:r>
+              <a:rPr lang="es-ES" dirty="0"/>
+              <a:t>,</a:t>
+            </a:r>
+            <a:r>
+              <a:rPr lang="es-ES" b="1" dirty="0"/>
+              <a:t> </a:t>
+            </a:r>
+            <a:r>
+              <a:rPr lang="es-ES" dirty="0"/>
+              <a:t>trabajar la </a:t>
             </a:r>
             <a:r>
               <a:rPr lang="es-ES" b="1" dirty="0"/>
@@ -3907,8 +3936,11 @@
             </a:r>
             <a:r>
               <a:rPr lang="es-ES" dirty="0"/>
-              <a:t>, </a:t>
-            </a:r>
+              <a:t>,</a:t>
+            </a:r>
+          </a:p>
+          <a:p>
+            <a:pPr algn="ctr"/>
             <a:r>
               <a:rPr lang="es-ES" b="1" dirty="0"/>
               <a:t>buen</a:t>
@@ -4378,7 +4410,7 @@
             </a:r>
             <a:r>
               <a:rPr lang="es-ES" b="1" dirty="0"/>
-              <a:t> Tecnologías </a:t>
+              <a:t> Industria TIC </a:t>
             </a:r>
             <a:r>
               <a:rPr lang="es-ES" dirty="0"/>
@@ -4503,7 +4535,7 @@
         </p:nvSpPr>
         <p:spPr>
           <a:xfrm>
-            <a:off x="2961255" y="4741526"/>
+            <a:off x="2775727" y="5390884"/>
             <a:ext cx="6720447" cy="830997"/>
           </a:xfrm>
           <a:prstGeom prst="rect">

--- a/salud.pptx
+++ b/salud.pptx
@@ -3908,7 +3908,7 @@
             </a:r>
             <a:r>
               <a:rPr lang="es-ES" b="1" dirty="0"/>
-              <a:t>tecnologías</a:t>
+              <a:t>Industria TIC</a:t>
             </a:r>
             <a:r>
               <a:rPr lang="es-ES" dirty="0"/>
@@ -4410,7 +4410,7 @@
             </a:r>
             <a:r>
               <a:rPr lang="es-ES" b="1" dirty="0"/>
-              <a:t> Industria TIC </a:t>
+              <a:t> Tecnologías </a:t>
             </a:r>
             <a:r>
               <a:rPr lang="es-ES" dirty="0"/>

--- a/salud.pptx
+++ b/salud.pptx
@@ -3903,19 +3903,19 @@
               <a:t>velocidad</a:t>
             </a:r>
             <a:r>
-              <a:rPr lang="es-ES" dirty="0"/>
+              <a:rPr lang="es-ES"/>
               <a:t>, </a:t>
             </a:r>
             <a:r>
-              <a:rPr lang="es-ES" b="1" dirty="0"/>
-              <a:t>Industria TIC</a:t>
-            </a:r>
-            <a:r>
-              <a:rPr lang="es-ES" dirty="0"/>
+              <a:rPr lang="es-ES" b="1"/>
+              <a:t>Tecnologías</a:t>
+            </a:r>
+            <a:r>
+              <a:rPr lang="es-ES"/>
               <a:t>,</a:t>
             </a:r>
             <a:r>
-              <a:rPr lang="es-ES" b="1" dirty="0"/>
+              <a:rPr lang="es-ES" b="1"/>
               <a:t> </a:t>
             </a:r>
             <a:r>
@@ -4410,7 +4410,7 @@
             </a:r>
             <a:r>
               <a:rPr lang="es-ES" b="1" dirty="0"/>
-              <a:t> Tecnologías </a:t>
+              <a:t> Industria TIC </a:t>
             </a:r>
             <a:r>
               <a:rPr lang="es-ES" dirty="0"/>

--- a/salud.pptx
+++ b/salud.pptx
@@ -3903,19 +3903,19 @@
               <a:t>velocidad</a:t>
             </a:r>
             <a:r>
-              <a:rPr lang="es-ES"/>
+              <a:rPr lang="es-ES" dirty="0"/>
               <a:t>, </a:t>
             </a:r>
             <a:r>
-              <a:rPr lang="es-ES" b="1"/>
+              <a:rPr lang="es-ES" b="1" dirty="0"/>
               <a:t>Tecnologías</a:t>
             </a:r>
             <a:r>
-              <a:rPr lang="es-ES"/>
+              <a:rPr lang="es-ES" dirty="0"/>
               <a:t>,</a:t>
             </a:r>
             <a:r>
-              <a:rPr lang="es-ES" b="1"/>
+              <a:rPr lang="es-ES" b="1" dirty="0"/>
               <a:t> </a:t>
             </a:r>
             <a:r>

--- a/salud.pptx
+++ b/salud.pptx
@@ -259,7 +259,7 @@
           <a:p>
             <a:fld id="{AA0BCF1E-859B-4C16-B18D-C62EC1C7489F}" type="datetimeFigureOut">
               <a:rPr lang="es-ES" smtClean="0"/>
-              <a:t>19/08/2022</a:t>
+              <a:t>24/08/2022</a:t>
             </a:fld>
             <a:endParaRPr lang="es-ES"/>
           </a:p>
@@ -457,7 +457,7 @@
           <a:p>
             <a:fld id="{AA0BCF1E-859B-4C16-B18D-C62EC1C7489F}" type="datetimeFigureOut">
               <a:rPr lang="es-ES" smtClean="0"/>
-              <a:t>19/08/2022</a:t>
+              <a:t>24/08/2022</a:t>
             </a:fld>
             <a:endParaRPr lang="es-ES"/>
           </a:p>
@@ -665,7 +665,7 @@
           <a:p>
             <a:fld id="{AA0BCF1E-859B-4C16-B18D-C62EC1C7489F}" type="datetimeFigureOut">
               <a:rPr lang="es-ES" smtClean="0"/>
-              <a:t>19/08/2022</a:t>
+              <a:t>24/08/2022</a:t>
             </a:fld>
             <a:endParaRPr lang="es-ES"/>
           </a:p>
@@ -863,7 +863,7 @@
           <a:p>
             <a:fld id="{AA0BCF1E-859B-4C16-B18D-C62EC1C7489F}" type="datetimeFigureOut">
               <a:rPr lang="es-ES" smtClean="0"/>
-              <a:t>19/08/2022</a:t>
+              <a:t>24/08/2022</a:t>
             </a:fld>
             <a:endParaRPr lang="es-ES"/>
           </a:p>
@@ -1138,7 +1138,7 @@
           <a:p>
             <a:fld id="{AA0BCF1E-859B-4C16-B18D-C62EC1C7489F}" type="datetimeFigureOut">
               <a:rPr lang="es-ES" smtClean="0"/>
-              <a:t>19/08/2022</a:t>
+              <a:t>24/08/2022</a:t>
             </a:fld>
             <a:endParaRPr lang="es-ES"/>
           </a:p>
@@ -1403,7 +1403,7 @@
           <a:p>
             <a:fld id="{AA0BCF1E-859B-4C16-B18D-C62EC1C7489F}" type="datetimeFigureOut">
               <a:rPr lang="es-ES" smtClean="0"/>
-              <a:t>19/08/2022</a:t>
+              <a:t>24/08/2022</a:t>
             </a:fld>
             <a:endParaRPr lang="es-ES"/>
           </a:p>
@@ -1815,7 +1815,7 @@
           <a:p>
             <a:fld id="{AA0BCF1E-859B-4C16-B18D-C62EC1C7489F}" type="datetimeFigureOut">
               <a:rPr lang="es-ES" smtClean="0"/>
-              <a:t>19/08/2022</a:t>
+              <a:t>24/08/2022</a:t>
             </a:fld>
             <a:endParaRPr lang="es-ES"/>
           </a:p>
@@ -1956,7 +1956,7 @@
           <a:p>
             <a:fld id="{AA0BCF1E-859B-4C16-B18D-C62EC1C7489F}" type="datetimeFigureOut">
               <a:rPr lang="es-ES" smtClean="0"/>
-              <a:t>19/08/2022</a:t>
+              <a:t>24/08/2022</a:t>
             </a:fld>
             <a:endParaRPr lang="es-ES"/>
           </a:p>
@@ -2069,7 +2069,7 @@
           <a:p>
             <a:fld id="{AA0BCF1E-859B-4C16-B18D-C62EC1C7489F}" type="datetimeFigureOut">
               <a:rPr lang="es-ES" smtClean="0"/>
-              <a:t>19/08/2022</a:t>
+              <a:t>24/08/2022</a:t>
             </a:fld>
             <a:endParaRPr lang="es-ES"/>
           </a:p>
@@ -2380,7 +2380,7 @@
           <a:p>
             <a:fld id="{AA0BCF1E-859B-4C16-B18D-C62EC1C7489F}" type="datetimeFigureOut">
               <a:rPr lang="es-ES" smtClean="0"/>
-              <a:t>19/08/2022</a:t>
+              <a:t>24/08/2022</a:t>
             </a:fld>
             <a:endParaRPr lang="es-ES"/>
           </a:p>
@@ -2668,7 +2668,7 @@
           <a:p>
             <a:fld id="{AA0BCF1E-859B-4C16-B18D-C62EC1C7489F}" type="datetimeFigureOut">
               <a:rPr lang="es-ES" smtClean="0"/>
-              <a:t>19/08/2022</a:t>
+              <a:t>24/08/2022</a:t>
             </a:fld>
             <a:endParaRPr lang="es-ES"/>
           </a:p>
@@ -2909,7 +2909,7 @@
           <a:p>
             <a:fld id="{AA0BCF1E-859B-4C16-B18D-C62EC1C7489F}" type="datetimeFigureOut">
               <a:rPr lang="es-ES" smtClean="0"/>
-              <a:t>19/08/2022</a:t>
+              <a:t>24/08/2022</a:t>
             </a:fld>
             <a:endParaRPr lang="es-ES"/>
           </a:p>
@@ -4557,14 +4557,14 @@
             <a:pPr algn="ctr"/>
             <a:r>
               <a:rPr lang="es-ES" sz="2400" i="1" dirty="0"/>
-              <a:t>1) Con educación y buenas formas difícil llevarse mal</a:t>
+              <a:t>Con educación y buenas formas difícil llevarse mal</a:t>
             </a:r>
           </a:p>
           <a:p>
             <a:pPr algn="ctr"/>
             <a:r>
               <a:rPr lang="es-ES" sz="2400" i="1" dirty="0"/>
-              <a:t>2) Mi madre da más empleo que una startup</a:t>
+              <a:t>#MiMadreDaMásEmpleoQueUnaStartup</a:t>
             </a:r>
           </a:p>
         </p:txBody>

--- a/salud.pptx
+++ b/salud.pptx
@@ -3908,7 +3908,23 @@
             </a:r>
             <a:r>
               <a:rPr lang="es-ES" b="1" dirty="0"/>
-              <a:t>Tecnologías</a:t>
+              <a:t>tecnologías</a:t>
+            </a:r>
+            <a:r>
+              <a:rPr lang="es-ES" dirty="0"/>
+              <a:t>, </a:t>
+            </a:r>
+            <a:r>
+              <a:rPr lang="es-ES" b="1" dirty="0"/>
+              <a:t>enseñar/compartir</a:t>
+            </a:r>
+            <a:r>
+              <a:rPr lang="es-ES" dirty="0"/>
+              <a:t> y </a:t>
+            </a:r>
+            <a:r>
+              <a:rPr lang="es-ES" b="1" dirty="0"/>
+              <a:t>aprender</a:t>
             </a:r>
             <a:r>
               <a:rPr lang="es-ES" dirty="0"/>
@@ -3936,11 +3952,8 @@
             </a:r>
             <a:r>
               <a:rPr lang="es-ES" dirty="0"/>
-              <a:t>,</a:t>
-            </a:r>
-          </a:p>
-          <a:p>
-            <a:pPr algn="ctr"/>
+              <a:t>, </a:t>
+            </a:r>
             <a:r>
               <a:rPr lang="es-ES" b="1" dirty="0"/>
               <a:t>buen</a:t>

--- a/salud.pptx
+++ b/salud.pptx
@@ -259,7 +259,7 @@
           <a:p>
             <a:fld id="{AA0BCF1E-859B-4C16-B18D-C62EC1C7489F}" type="datetimeFigureOut">
               <a:rPr lang="es-ES" smtClean="0"/>
-              <a:t>24/08/2022</a:t>
+              <a:t>28/12/2022</a:t>
             </a:fld>
             <a:endParaRPr lang="es-ES"/>
           </a:p>
@@ -457,7 +457,7 @@
           <a:p>
             <a:fld id="{AA0BCF1E-859B-4C16-B18D-C62EC1C7489F}" type="datetimeFigureOut">
               <a:rPr lang="es-ES" smtClean="0"/>
-              <a:t>24/08/2022</a:t>
+              <a:t>28/12/2022</a:t>
             </a:fld>
             <a:endParaRPr lang="es-ES"/>
           </a:p>
@@ -665,7 +665,7 @@
           <a:p>
             <a:fld id="{AA0BCF1E-859B-4C16-B18D-C62EC1C7489F}" type="datetimeFigureOut">
               <a:rPr lang="es-ES" smtClean="0"/>
-              <a:t>24/08/2022</a:t>
+              <a:t>28/12/2022</a:t>
             </a:fld>
             <a:endParaRPr lang="es-ES"/>
           </a:p>
@@ -863,7 +863,7 @@
           <a:p>
             <a:fld id="{AA0BCF1E-859B-4C16-B18D-C62EC1C7489F}" type="datetimeFigureOut">
               <a:rPr lang="es-ES" smtClean="0"/>
-              <a:t>24/08/2022</a:t>
+              <a:t>28/12/2022</a:t>
             </a:fld>
             <a:endParaRPr lang="es-ES"/>
           </a:p>
@@ -1138,7 +1138,7 @@
           <a:p>
             <a:fld id="{AA0BCF1E-859B-4C16-B18D-C62EC1C7489F}" type="datetimeFigureOut">
               <a:rPr lang="es-ES" smtClean="0"/>
-              <a:t>24/08/2022</a:t>
+              <a:t>28/12/2022</a:t>
             </a:fld>
             <a:endParaRPr lang="es-ES"/>
           </a:p>
@@ -1403,7 +1403,7 @@
           <a:p>
             <a:fld id="{AA0BCF1E-859B-4C16-B18D-C62EC1C7489F}" type="datetimeFigureOut">
               <a:rPr lang="es-ES" smtClean="0"/>
-              <a:t>24/08/2022</a:t>
+              <a:t>28/12/2022</a:t>
             </a:fld>
             <a:endParaRPr lang="es-ES"/>
           </a:p>
@@ -1815,7 +1815,7 @@
           <a:p>
             <a:fld id="{AA0BCF1E-859B-4C16-B18D-C62EC1C7489F}" type="datetimeFigureOut">
               <a:rPr lang="es-ES" smtClean="0"/>
-              <a:t>24/08/2022</a:t>
+              <a:t>28/12/2022</a:t>
             </a:fld>
             <a:endParaRPr lang="es-ES"/>
           </a:p>
@@ -1956,7 +1956,7 @@
           <a:p>
             <a:fld id="{AA0BCF1E-859B-4C16-B18D-C62EC1C7489F}" type="datetimeFigureOut">
               <a:rPr lang="es-ES" smtClean="0"/>
-              <a:t>24/08/2022</a:t>
+              <a:t>28/12/2022</a:t>
             </a:fld>
             <a:endParaRPr lang="es-ES"/>
           </a:p>
@@ -2069,7 +2069,7 @@
           <a:p>
             <a:fld id="{AA0BCF1E-859B-4C16-B18D-C62EC1C7489F}" type="datetimeFigureOut">
               <a:rPr lang="es-ES" smtClean="0"/>
-              <a:t>24/08/2022</a:t>
+              <a:t>28/12/2022</a:t>
             </a:fld>
             <a:endParaRPr lang="es-ES"/>
           </a:p>
@@ -2380,7 +2380,7 @@
           <a:p>
             <a:fld id="{AA0BCF1E-859B-4C16-B18D-C62EC1C7489F}" type="datetimeFigureOut">
               <a:rPr lang="es-ES" smtClean="0"/>
-              <a:t>24/08/2022</a:t>
+              <a:t>28/12/2022</a:t>
             </a:fld>
             <a:endParaRPr lang="es-ES"/>
           </a:p>
@@ -2668,7 +2668,7 @@
           <a:p>
             <a:fld id="{AA0BCF1E-859B-4C16-B18D-C62EC1C7489F}" type="datetimeFigureOut">
               <a:rPr lang="es-ES" smtClean="0"/>
-              <a:t>24/08/2022</a:t>
+              <a:t>28/12/2022</a:t>
             </a:fld>
             <a:endParaRPr lang="es-ES"/>
           </a:p>
@@ -2909,7 +2909,7 @@
           <a:p>
             <a:fld id="{AA0BCF1E-859B-4C16-B18D-C62EC1C7489F}" type="datetimeFigureOut">
               <a:rPr lang="es-ES" smtClean="0"/>
-              <a:t>24/08/2022</a:t>
+              <a:t>28/12/2022</a:t>
             </a:fld>
             <a:endParaRPr lang="es-ES"/>
           </a:p>
@@ -3915,6 +3915,14 @@
               <a:t>, </a:t>
             </a:r>
             <a:r>
+              <a:rPr lang="es-ES" b="1" dirty="0" err="1"/>
+              <a:t>inglés+idioma_curioso</a:t>
+            </a:r>
+            <a:r>
+              <a:rPr lang="es-ES" dirty="0"/>
+              <a:t>, </a:t>
+            </a:r>
+            <a:r>
               <a:rPr lang="es-ES" b="1" dirty="0"/>
               <a:t>enseñar/compartir</a:t>
             </a:r>

--- a/salud.pptx
+++ b/salud.pptx
@@ -259,7 +259,7 @@
           <a:p>
             <a:fld id="{AA0BCF1E-859B-4C16-B18D-C62EC1C7489F}" type="datetimeFigureOut">
               <a:rPr lang="es-ES" smtClean="0"/>
-              <a:t>28/12/2022</a:t>
+              <a:t>31/12/2023</a:t>
             </a:fld>
             <a:endParaRPr lang="es-ES"/>
           </a:p>
@@ -457,7 +457,7 @@
           <a:p>
             <a:fld id="{AA0BCF1E-859B-4C16-B18D-C62EC1C7489F}" type="datetimeFigureOut">
               <a:rPr lang="es-ES" smtClean="0"/>
-              <a:t>28/12/2022</a:t>
+              <a:t>31/12/2023</a:t>
             </a:fld>
             <a:endParaRPr lang="es-ES"/>
           </a:p>
@@ -665,7 +665,7 @@
           <a:p>
             <a:fld id="{AA0BCF1E-859B-4C16-B18D-C62EC1C7489F}" type="datetimeFigureOut">
               <a:rPr lang="es-ES" smtClean="0"/>
-              <a:t>28/12/2022</a:t>
+              <a:t>31/12/2023</a:t>
             </a:fld>
             <a:endParaRPr lang="es-ES"/>
           </a:p>
@@ -863,7 +863,7 @@
           <a:p>
             <a:fld id="{AA0BCF1E-859B-4C16-B18D-C62EC1C7489F}" type="datetimeFigureOut">
               <a:rPr lang="es-ES" smtClean="0"/>
-              <a:t>28/12/2022</a:t>
+              <a:t>31/12/2023</a:t>
             </a:fld>
             <a:endParaRPr lang="es-ES"/>
           </a:p>
@@ -1138,7 +1138,7 @@
           <a:p>
             <a:fld id="{AA0BCF1E-859B-4C16-B18D-C62EC1C7489F}" type="datetimeFigureOut">
               <a:rPr lang="es-ES" smtClean="0"/>
-              <a:t>28/12/2022</a:t>
+              <a:t>31/12/2023</a:t>
             </a:fld>
             <a:endParaRPr lang="es-ES"/>
           </a:p>
@@ -1403,7 +1403,7 @@
           <a:p>
             <a:fld id="{AA0BCF1E-859B-4C16-B18D-C62EC1C7489F}" type="datetimeFigureOut">
               <a:rPr lang="es-ES" smtClean="0"/>
-              <a:t>28/12/2022</a:t>
+              <a:t>31/12/2023</a:t>
             </a:fld>
             <a:endParaRPr lang="es-ES"/>
           </a:p>
@@ -1815,7 +1815,7 @@
           <a:p>
             <a:fld id="{AA0BCF1E-859B-4C16-B18D-C62EC1C7489F}" type="datetimeFigureOut">
               <a:rPr lang="es-ES" smtClean="0"/>
-              <a:t>28/12/2022</a:t>
+              <a:t>31/12/2023</a:t>
             </a:fld>
             <a:endParaRPr lang="es-ES"/>
           </a:p>
@@ -1956,7 +1956,7 @@
           <a:p>
             <a:fld id="{AA0BCF1E-859B-4C16-B18D-C62EC1C7489F}" type="datetimeFigureOut">
               <a:rPr lang="es-ES" smtClean="0"/>
-              <a:t>28/12/2022</a:t>
+              <a:t>31/12/2023</a:t>
             </a:fld>
             <a:endParaRPr lang="es-ES"/>
           </a:p>
@@ -2069,7 +2069,7 @@
           <a:p>
             <a:fld id="{AA0BCF1E-859B-4C16-B18D-C62EC1C7489F}" type="datetimeFigureOut">
               <a:rPr lang="es-ES" smtClean="0"/>
-              <a:t>28/12/2022</a:t>
+              <a:t>31/12/2023</a:t>
             </a:fld>
             <a:endParaRPr lang="es-ES"/>
           </a:p>
@@ -2380,7 +2380,7 @@
           <a:p>
             <a:fld id="{AA0BCF1E-859B-4C16-B18D-C62EC1C7489F}" type="datetimeFigureOut">
               <a:rPr lang="es-ES" smtClean="0"/>
-              <a:t>28/12/2022</a:t>
+              <a:t>31/12/2023</a:t>
             </a:fld>
             <a:endParaRPr lang="es-ES"/>
           </a:p>
@@ -2668,7 +2668,7 @@
           <a:p>
             <a:fld id="{AA0BCF1E-859B-4C16-B18D-C62EC1C7489F}" type="datetimeFigureOut">
               <a:rPr lang="es-ES" smtClean="0"/>
-              <a:t>28/12/2022</a:t>
+              <a:t>31/12/2023</a:t>
             </a:fld>
             <a:endParaRPr lang="es-ES"/>
           </a:p>
@@ -2909,7 +2909,7 @@
           <a:p>
             <a:fld id="{AA0BCF1E-859B-4C16-B18D-C62EC1C7489F}" type="datetimeFigureOut">
               <a:rPr lang="es-ES" smtClean="0"/>
-              <a:t>28/12/2022</a:t>
+              <a:t>31/12/2023</a:t>
             </a:fld>
             <a:endParaRPr lang="es-ES"/>
           </a:p>
@@ -4055,7 +4055,7 @@
         <p:spPr>
           <a:xfrm>
             <a:off x="3616112" y="1929050"/>
-            <a:ext cx="1819729" cy="369332"/>
+            <a:ext cx="1849352" cy="646331"/>
           </a:xfrm>
           <a:prstGeom prst="rect">
             <a:avLst/>
@@ -4067,6 +4067,16 @@
             <a:spAutoFit/>
           </a:bodyPr>
           <a:lstStyle/>
+          <a:p>
+            <a:r>
+              <a:rPr lang="es-ES" dirty="0"/>
+              <a:t>[31dic] </a:t>
+            </a:r>
+            <a:r>
+              <a:rPr lang="es-ES" b="1" dirty="0"/>
+              <a:t>Pirotecnia</a:t>
+            </a:r>
+          </a:p>
           <a:p>
             <a:r>
               <a:rPr lang="es-ES" dirty="0"/>

--- a/salud.pptx
+++ b/salud.pptx
@@ -259,7 +259,7 @@
           <a:p>
             <a:fld id="{AA0BCF1E-859B-4C16-B18D-C62EC1C7489F}" type="datetimeFigureOut">
               <a:rPr lang="es-ES" smtClean="0"/>
-              <a:t>31/12/2023</a:t>
+              <a:t>29/03/2024</a:t>
             </a:fld>
             <a:endParaRPr lang="es-ES"/>
           </a:p>
@@ -457,7 +457,7 @@
           <a:p>
             <a:fld id="{AA0BCF1E-859B-4C16-B18D-C62EC1C7489F}" type="datetimeFigureOut">
               <a:rPr lang="es-ES" smtClean="0"/>
-              <a:t>31/12/2023</a:t>
+              <a:t>29/03/2024</a:t>
             </a:fld>
             <a:endParaRPr lang="es-ES"/>
           </a:p>
@@ -665,7 +665,7 @@
           <a:p>
             <a:fld id="{AA0BCF1E-859B-4C16-B18D-C62EC1C7489F}" type="datetimeFigureOut">
               <a:rPr lang="es-ES" smtClean="0"/>
-              <a:t>31/12/2023</a:t>
+              <a:t>29/03/2024</a:t>
             </a:fld>
             <a:endParaRPr lang="es-ES"/>
           </a:p>
@@ -863,7 +863,7 @@
           <a:p>
             <a:fld id="{AA0BCF1E-859B-4C16-B18D-C62EC1C7489F}" type="datetimeFigureOut">
               <a:rPr lang="es-ES" smtClean="0"/>
-              <a:t>31/12/2023</a:t>
+              <a:t>29/03/2024</a:t>
             </a:fld>
             <a:endParaRPr lang="es-ES"/>
           </a:p>
@@ -1138,7 +1138,7 @@
           <a:p>
             <a:fld id="{AA0BCF1E-859B-4C16-B18D-C62EC1C7489F}" type="datetimeFigureOut">
               <a:rPr lang="es-ES" smtClean="0"/>
-              <a:t>31/12/2023</a:t>
+              <a:t>29/03/2024</a:t>
             </a:fld>
             <a:endParaRPr lang="es-ES"/>
           </a:p>
@@ -1403,7 +1403,7 @@
           <a:p>
             <a:fld id="{AA0BCF1E-859B-4C16-B18D-C62EC1C7489F}" type="datetimeFigureOut">
               <a:rPr lang="es-ES" smtClean="0"/>
-              <a:t>31/12/2023</a:t>
+              <a:t>29/03/2024</a:t>
             </a:fld>
             <a:endParaRPr lang="es-ES"/>
           </a:p>
@@ -1815,7 +1815,7 @@
           <a:p>
             <a:fld id="{AA0BCF1E-859B-4C16-B18D-C62EC1C7489F}" type="datetimeFigureOut">
               <a:rPr lang="es-ES" smtClean="0"/>
-              <a:t>31/12/2023</a:t>
+              <a:t>29/03/2024</a:t>
             </a:fld>
             <a:endParaRPr lang="es-ES"/>
           </a:p>
@@ -1956,7 +1956,7 @@
           <a:p>
             <a:fld id="{AA0BCF1E-859B-4C16-B18D-C62EC1C7489F}" type="datetimeFigureOut">
               <a:rPr lang="es-ES" smtClean="0"/>
-              <a:t>31/12/2023</a:t>
+              <a:t>29/03/2024</a:t>
             </a:fld>
             <a:endParaRPr lang="es-ES"/>
           </a:p>
@@ -2069,7 +2069,7 @@
           <a:p>
             <a:fld id="{AA0BCF1E-859B-4C16-B18D-C62EC1C7489F}" type="datetimeFigureOut">
               <a:rPr lang="es-ES" smtClean="0"/>
-              <a:t>31/12/2023</a:t>
+              <a:t>29/03/2024</a:t>
             </a:fld>
             <a:endParaRPr lang="es-ES"/>
           </a:p>
@@ -2380,7 +2380,7 @@
           <a:p>
             <a:fld id="{AA0BCF1E-859B-4C16-B18D-C62EC1C7489F}" type="datetimeFigureOut">
               <a:rPr lang="es-ES" smtClean="0"/>
-              <a:t>31/12/2023</a:t>
+              <a:t>29/03/2024</a:t>
             </a:fld>
             <a:endParaRPr lang="es-ES"/>
           </a:p>
@@ -2668,7 +2668,7 @@
           <a:p>
             <a:fld id="{AA0BCF1E-859B-4C16-B18D-C62EC1C7489F}" type="datetimeFigureOut">
               <a:rPr lang="es-ES" smtClean="0"/>
-              <a:t>31/12/2023</a:t>
+              <a:t>29/03/2024</a:t>
             </a:fld>
             <a:endParaRPr lang="es-ES"/>
           </a:p>
@@ -2909,7 +2909,7 @@
           <a:p>
             <a:fld id="{AA0BCF1E-859B-4C16-B18D-C62EC1C7489F}" type="datetimeFigureOut">
               <a:rPr lang="es-ES" smtClean="0"/>
-              <a:t>31/12/2023</a:t>
+              <a:t>29/03/2024</a:t>
             </a:fld>
             <a:endParaRPr lang="es-ES"/>
           </a:p>
@@ -3340,7 +3340,7 @@
         </p:nvCxnSpPr>
         <p:spPr>
           <a:xfrm>
-            <a:off x="1046922" y="1325220"/>
+            <a:off x="412409" y="863825"/>
             <a:ext cx="10512000" cy="0"/>
           </a:xfrm>
           <a:prstGeom prst="line">
@@ -3376,7 +3376,7 @@
         </p:nvCxnSpPr>
         <p:spPr>
           <a:xfrm>
-            <a:off x="4864592" y="1327867"/>
+            <a:off x="4230079" y="866472"/>
             <a:ext cx="0" cy="180000"/>
           </a:xfrm>
           <a:prstGeom prst="line">
@@ -3412,7 +3412,7 @@
         </p:nvCxnSpPr>
         <p:spPr>
           <a:xfrm>
-            <a:off x="2956592" y="1327867"/>
+            <a:off x="2322079" y="866472"/>
             <a:ext cx="0" cy="180000"/>
           </a:xfrm>
           <a:prstGeom prst="line">
@@ -3448,7 +3448,7 @@
         </p:nvCxnSpPr>
         <p:spPr>
           <a:xfrm>
-            <a:off x="6771295" y="1334364"/>
+            <a:off x="6136782" y="872969"/>
             <a:ext cx="0" cy="180000"/>
           </a:xfrm>
           <a:prstGeom prst="line">
@@ -3484,7 +3484,7 @@
         </p:nvCxnSpPr>
         <p:spPr>
           <a:xfrm>
-            <a:off x="7725295" y="1334364"/>
+            <a:off x="7090782" y="872969"/>
             <a:ext cx="0" cy="180000"/>
           </a:xfrm>
           <a:prstGeom prst="line">
@@ -3520,7 +3520,7 @@
         </p:nvCxnSpPr>
         <p:spPr>
           <a:xfrm>
-            <a:off x="1044697" y="1335021"/>
+            <a:off x="410184" y="873626"/>
             <a:ext cx="0" cy="180000"/>
           </a:xfrm>
           <a:prstGeom prst="line">
@@ -3556,7 +3556,7 @@
         </p:nvCxnSpPr>
         <p:spPr>
           <a:xfrm>
-            <a:off x="8679295" y="1334952"/>
+            <a:off x="8044782" y="873557"/>
             <a:ext cx="0" cy="180000"/>
           </a:xfrm>
           <a:prstGeom prst="line">
@@ -3592,7 +3592,7 @@
         </p:nvSpPr>
         <p:spPr>
           <a:xfrm>
-            <a:off x="816107" y="1048882"/>
+            <a:off x="181594" y="587487"/>
             <a:ext cx="11100121" cy="307777"/>
           </a:xfrm>
           <a:prstGeom prst="rect">
@@ -3628,7 +3628,7 @@
         </p:nvCxnSpPr>
         <p:spPr>
           <a:xfrm>
-            <a:off x="5818592" y="1334364"/>
+            <a:off x="5184079" y="872969"/>
             <a:ext cx="0" cy="180000"/>
           </a:xfrm>
           <a:prstGeom prst="line">
@@ -3664,7 +3664,7 @@
         </p:nvCxnSpPr>
         <p:spPr>
           <a:xfrm>
-            <a:off x="3910592" y="1327867"/>
+            <a:off x="3276079" y="866472"/>
             <a:ext cx="0" cy="180000"/>
           </a:xfrm>
           <a:prstGeom prst="line">
@@ -3700,7 +3700,7 @@
         </p:nvCxnSpPr>
         <p:spPr>
           <a:xfrm>
-            <a:off x="2002592" y="1330748"/>
+            <a:off x="1368079" y="869353"/>
             <a:ext cx="0" cy="180000"/>
           </a:xfrm>
           <a:prstGeom prst="line">
@@ -3736,7 +3736,7 @@
         </p:nvCxnSpPr>
         <p:spPr>
           <a:xfrm>
-            <a:off x="9631747" y="1328776"/>
+            <a:off x="8997234" y="867381"/>
             <a:ext cx="0" cy="180000"/>
           </a:xfrm>
           <a:prstGeom prst="line">
@@ -3772,7 +3772,7 @@
         </p:nvCxnSpPr>
         <p:spPr>
           <a:xfrm>
-            <a:off x="10585747" y="1332630"/>
+            <a:off x="9951234" y="871235"/>
             <a:ext cx="0" cy="180000"/>
           </a:xfrm>
           <a:prstGeom prst="line">
@@ -3808,7 +3808,7 @@
         </p:nvCxnSpPr>
         <p:spPr>
           <a:xfrm>
-            <a:off x="11557631" y="1330630"/>
+            <a:off x="10923118" y="869235"/>
             <a:ext cx="0" cy="180000"/>
           </a:xfrm>
           <a:prstGeom prst="line">
@@ -3844,7 +3844,7 @@
         </p:nvSpPr>
         <p:spPr>
           <a:xfrm>
-            <a:off x="702365" y="4013166"/>
+            <a:off x="666060" y="4650730"/>
             <a:ext cx="10840278" cy="923330"/>
           </a:xfrm>
           <a:prstGeom prst="rect">
@@ -4007,8 +4007,8 @@
         </p:nvSpPr>
         <p:spPr>
           <a:xfrm rot="16200000">
-            <a:off x="4337260" y="275791"/>
-            <a:ext cx="324000" cy="3077359"/>
+            <a:off x="1356474" y="1559331"/>
+            <a:ext cx="324000" cy="1538429"/>
           </a:xfrm>
           <a:prstGeom prst="leftBrace">
             <a:avLst>
@@ -4054,8 +4054,8 @@
         </p:nvSpPr>
         <p:spPr>
           <a:xfrm>
-            <a:off x="3616112" y="1929050"/>
-            <a:ext cx="1849352" cy="646331"/>
+            <a:off x="3024655" y="2555311"/>
+            <a:ext cx="2363853" cy="923330"/>
           </a:xfrm>
           <a:prstGeom prst="rect">
             <a:avLst/>
@@ -4068,6 +4068,7 @@
           </a:bodyPr>
           <a:lstStyle/>
           <a:p>
+            <a:pPr algn="ctr"/>
             <a:r>
               <a:rPr lang="es-ES" dirty="0"/>
               <a:t>[31dic] </a:t>
@@ -4078,14 +4079,43 @@
             </a:r>
           </a:p>
           <a:p>
+            <a:pPr algn="ctr"/>
             <a:r>
               <a:rPr lang="es-ES" dirty="0"/>
               <a:t>[Dic-Mar] </a:t>
             </a:r>
             <a:r>
               <a:rPr lang="es-ES" b="1" dirty="0"/>
-              <a:t>Esquiar</a:t>
-            </a:r>
+              <a:t>Esquiar,</a:t>
+            </a:r>
+          </a:p>
+          <a:p>
+            <a:pPr algn="ctr"/>
+            <a:r>
+              <a:rPr lang="es-ES" b="1" dirty="0"/>
+              <a:t>roscones </a:t>
+            </a:r>
+            <a:r>
+              <a:rPr lang="es-ES" dirty="0"/>
+              <a:t>y</a:t>
+            </a:r>
+            <a:r>
+              <a:rPr lang="es-ES" b="1" dirty="0"/>
+              <a:t> </a:t>
+            </a:r>
+            <a:r>
+              <a:rPr lang="es-ES" b="1" dirty="0" err="1"/>
+              <a:t>torrija’s</a:t>
+            </a:r>
+            <a:r>
+              <a:rPr lang="es-ES" b="1" dirty="0"/>
+              <a:t> </a:t>
+            </a:r>
+            <a:r>
+              <a:rPr lang="es-ES" b="1" dirty="0" err="1"/>
+              <a:t>day</a:t>
+            </a:r>
+            <a:endParaRPr lang="es-ES" b="1" dirty="0"/>
           </a:p>
         </p:txBody>
       </p:sp>
@@ -4103,8 +4133,8 @@
         </p:nvSpPr>
         <p:spPr>
           <a:xfrm rot="16200000">
-            <a:off x="9954469" y="350403"/>
-            <a:ext cx="324000" cy="2862322"/>
+            <a:off x="9608649" y="1255825"/>
+            <a:ext cx="324000" cy="2274972"/>
           </a:xfrm>
           <a:prstGeom prst="leftBrace">
             <a:avLst>
@@ -4150,7 +4180,7 @@
         </p:nvSpPr>
         <p:spPr>
           <a:xfrm>
-            <a:off x="7660463" y="1929050"/>
+            <a:off x="7453245" y="2507891"/>
             <a:ext cx="4637808" cy="369332"/>
           </a:xfrm>
           <a:prstGeom prst="rect">
@@ -4225,7 +4255,7 @@
         </p:nvSpPr>
         <p:spPr>
           <a:xfrm rot="16200000">
-            <a:off x="8923048" y="580325"/>
+            <a:off x="8288535" y="1268223"/>
             <a:ext cx="369332" cy="3788225"/>
           </a:xfrm>
           <a:prstGeom prst="leftBrace">
@@ -4272,8 +4302,8 @@
         </p:nvSpPr>
         <p:spPr>
           <a:xfrm>
-            <a:off x="5994897" y="2624173"/>
-            <a:ext cx="6212470" cy="646331"/>
+            <a:off x="5360384" y="3312071"/>
+            <a:ext cx="6481774" cy="646331"/>
           </a:xfrm>
           <a:prstGeom prst="rect">
             <a:avLst/>
@@ -4300,7 +4330,7 @@
             </a:r>
             <a:r>
               <a:rPr lang="es-ES" b="1" dirty="0"/>
-              <a:t>Circuito de motos</a:t>
+              <a:t>Circuito(s) de motos</a:t>
             </a:r>
           </a:p>
           <a:p>
@@ -4322,8 +4352,8 @@
         </p:nvSpPr>
         <p:spPr>
           <a:xfrm rot="16200000">
-            <a:off x="5038685" y="-910419"/>
-            <a:ext cx="369332" cy="8305752"/>
+            <a:off x="4464143" y="-282492"/>
+            <a:ext cx="369332" cy="8425694"/>
           </a:xfrm>
           <a:prstGeom prst="leftBrace">
             <a:avLst>
@@ -4369,8 +4399,8 @@
         </p:nvSpPr>
         <p:spPr>
           <a:xfrm>
-            <a:off x="1004102" y="3389007"/>
-            <a:ext cx="8358284" cy="369332"/>
+            <a:off x="369589" y="4076905"/>
+            <a:ext cx="8358284" cy="646331"/>
           </a:xfrm>
           <a:prstGeom prst="rect">
             <a:avLst/>
@@ -4441,7 +4471,7 @@
             </a:r>
             <a:r>
               <a:rPr lang="es-ES" b="1" dirty="0"/>
-              <a:t> Industria TIC </a:t>
+              <a:t> TIC/IT/Informática </a:t>
             </a:r>
             <a:r>
               <a:rPr lang="es-ES" dirty="0"/>
@@ -4476,8 +4506,8 @@
         </p:nvSpPr>
         <p:spPr>
           <a:xfrm rot="16200000">
-            <a:off x="10417665" y="2294541"/>
-            <a:ext cx="354054" cy="1925885"/>
+            <a:off x="9916783" y="3116071"/>
+            <a:ext cx="354054" cy="1658622"/>
           </a:xfrm>
           <a:prstGeom prst="leftBrace">
             <a:avLst>
@@ -4523,7 +4553,7 @@
         </p:nvSpPr>
         <p:spPr>
           <a:xfrm>
-            <a:off x="9288972" y="3389007"/>
+            <a:off x="8654459" y="4076905"/>
             <a:ext cx="2958567" cy="369332"/>
           </a:xfrm>
           <a:prstGeom prst="rect">
@@ -4566,7 +4596,7 @@
         </p:nvSpPr>
         <p:spPr>
           <a:xfrm>
-            <a:off x="2775727" y="5390884"/>
+            <a:off x="2747967" y="5743222"/>
             <a:ext cx="6720447" cy="830997"/>
           </a:xfrm>
           <a:prstGeom prst="rect">
@@ -4596,6 +4626,459 @@
             <a:r>
               <a:rPr lang="es-ES" sz="2400" i="1" dirty="0"/>
               <a:t>#MiMadreDaMásEmpleoQueUnaStartup</a:t>
+            </a:r>
+          </a:p>
+        </p:txBody>
+      </p:sp>
+      <p:sp>
+        <p:nvSpPr>
+          <p:cNvPr id="2" name="Abrir llave 1">
+            <a:extLst>
+              <a:ext uri="{FF2B5EF4-FFF2-40B4-BE49-F238E27FC236}">
+                <a16:creationId xmlns:a16="http://schemas.microsoft.com/office/drawing/2014/main" id="{EA8E331A-8E93-D5D2-8CF4-76A6AC2EB372}"/>
+              </a:ext>
+            </a:extLst>
+          </p:cNvPr>
+          <p:cNvSpPr/>
+          <p:nvPr/>
+        </p:nvSpPr>
+        <p:spPr>
+          <a:xfrm rot="16200000">
+            <a:off x="3914645" y="503731"/>
+            <a:ext cx="324000" cy="1466594"/>
+          </a:xfrm>
+          <a:prstGeom prst="leftBrace">
+            <a:avLst>
+              <a:gd name="adj1" fmla="val 220858"/>
+              <a:gd name="adj2" fmla="val 50000"/>
+            </a:avLst>
+          </a:prstGeom>
+        </p:spPr>
+        <p:style>
+          <a:lnRef idx="1">
+            <a:schemeClr val="dk1"/>
+          </a:lnRef>
+          <a:fillRef idx="0">
+            <a:schemeClr val="dk1"/>
+          </a:fillRef>
+          <a:effectRef idx="0">
+            <a:schemeClr val="dk1"/>
+          </a:effectRef>
+          <a:fontRef idx="minor">
+            <a:schemeClr val="tx1"/>
+          </a:fontRef>
+        </p:style>
+        <p:txBody>
+          <a:bodyPr rtlCol="0" anchor="ctr"/>
+          <a:lstStyle/>
+          <a:p>
+            <a:pPr algn="ctr"/>
+            <a:endParaRPr lang="es-ES" dirty="0"/>
+          </a:p>
+        </p:txBody>
+      </p:sp>
+      <p:sp>
+        <p:nvSpPr>
+          <p:cNvPr id="3" name="Abrir llave 2">
+            <a:extLst>
+              <a:ext uri="{FF2B5EF4-FFF2-40B4-BE49-F238E27FC236}">
+                <a16:creationId xmlns:a16="http://schemas.microsoft.com/office/drawing/2014/main" id="{2387BB1F-06ED-6D7C-138F-484C51BA1E01}"/>
+              </a:ext>
+            </a:extLst>
+          </p:cNvPr>
+          <p:cNvSpPr/>
+          <p:nvPr/>
+        </p:nvSpPr>
+        <p:spPr>
+          <a:xfrm rot="16200000">
+            <a:off x="7444124" y="211997"/>
+            <a:ext cx="324000" cy="2054071"/>
+          </a:xfrm>
+          <a:prstGeom prst="leftBrace">
+            <a:avLst>
+              <a:gd name="adj1" fmla="val 220858"/>
+              <a:gd name="adj2" fmla="val 50000"/>
+            </a:avLst>
+          </a:prstGeom>
+        </p:spPr>
+        <p:style>
+          <a:lnRef idx="1">
+            <a:schemeClr val="dk1"/>
+          </a:lnRef>
+          <a:fillRef idx="0">
+            <a:schemeClr val="dk1"/>
+          </a:fillRef>
+          <a:effectRef idx="0">
+            <a:schemeClr val="dk1"/>
+          </a:effectRef>
+          <a:fontRef idx="minor">
+            <a:schemeClr val="tx1"/>
+          </a:fontRef>
+        </p:style>
+        <p:txBody>
+          <a:bodyPr rtlCol="0" anchor="ctr"/>
+          <a:lstStyle/>
+          <a:p>
+            <a:pPr algn="ctr"/>
+            <a:endParaRPr lang="es-ES" dirty="0"/>
+          </a:p>
+        </p:txBody>
+      </p:sp>
+      <p:sp>
+        <p:nvSpPr>
+          <p:cNvPr id="4" name="CuadroTexto 3">
+            <a:extLst>
+              <a:ext uri="{FF2B5EF4-FFF2-40B4-BE49-F238E27FC236}">
+                <a16:creationId xmlns:a16="http://schemas.microsoft.com/office/drawing/2014/main" id="{975924D0-A653-4A09-6106-9CB93EEE491A}"/>
+              </a:ext>
+            </a:extLst>
+          </p:cNvPr>
+          <p:cNvSpPr txBox="1"/>
+          <p:nvPr/>
+        </p:nvSpPr>
+        <p:spPr>
+          <a:xfrm>
+            <a:off x="3494350" y="1350096"/>
+            <a:ext cx="1146083" cy="369332"/>
+          </a:xfrm>
+          <a:prstGeom prst="rect">
+            <a:avLst/>
+          </a:prstGeom>
+          <a:noFill/>
+        </p:spPr>
+        <p:txBody>
+          <a:bodyPr wrap="none" rtlCol="0">
+            <a:spAutoFit/>
+          </a:bodyPr>
+          <a:lstStyle/>
+          <a:p>
+            <a:r>
+              <a:rPr lang="es-ES" b="1" dirty="0"/>
+              <a:t>Exámenes</a:t>
+            </a:r>
+          </a:p>
+        </p:txBody>
+      </p:sp>
+      <p:sp>
+        <p:nvSpPr>
+          <p:cNvPr id="6" name="CuadroTexto 5">
+            <a:extLst>
+              <a:ext uri="{FF2B5EF4-FFF2-40B4-BE49-F238E27FC236}">
+                <a16:creationId xmlns:a16="http://schemas.microsoft.com/office/drawing/2014/main" id="{6806FB34-1190-0AF8-ADB3-A26D099A32C4}"/>
+              </a:ext>
+            </a:extLst>
+          </p:cNvPr>
+          <p:cNvSpPr txBox="1"/>
+          <p:nvPr/>
+        </p:nvSpPr>
+        <p:spPr>
+          <a:xfrm>
+            <a:off x="7042897" y="1346284"/>
+            <a:ext cx="1146083" cy="369332"/>
+          </a:xfrm>
+          <a:prstGeom prst="rect">
+            <a:avLst/>
+          </a:prstGeom>
+          <a:noFill/>
+        </p:spPr>
+        <p:txBody>
+          <a:bodyPr wrap="none" rtlCol="0">
+            <a:spAutoFit/>
+          </a:bodyPr>
+          <a:lstStyle/>
+          <a:p>
+            <a:r>
+              <a:rPr lang="es-ES" b="1" dirty="0"/>
+              <a:t>Exámenes</a:t>
+            </a:r>
+          </a:p>
+        </p:txBody>
+      </p:sp>
+      <p:sp>
+        <p:nvSpPr>
+          <p:cNvPr id="8" name="Abrir llave 7">
+            <a:extLst>
+              <a:ext uri="{FF2B5EF4-FFF2-40B4-BE49-F238E27FC236}">
+                <a16:creationId xmlns:a16="http://schemas.microsoft.com/office/drawing/2014/main" id="{2A05E027-ABCC-719D-2468-F0C6D2BCA41C}"/>
+              </a:ext>
+            </a:extLst>
+          </p:cNvPr>
+          <p:cNvSpPr/>
+          <p:nvPr/>
+        </p:nvSpPr>
+        <p:spPr>
+          <a:xfrm rot="16200000">
+            <a:off x="9811982" y="210998"/>
+            <a:ext cx="324000" cy="2054069"/>
+          </a:xfrm>
+          <a:prstGeom prst="leftBrace">
+            <a:avLst>
+              <a:gd name="adj1" fmla="val 220858"/>
+              <a:gd name="adj2" fmla="val 50000"/>
+            </a:avLst>
+          </a:prstGeom>
+        </p:spPr>
+        <p:style>
+          <a:lnRef idx="1">
+            <a:schemeClr val="dk1"/>
+          </a:lnRef>
+          <a:fillRef idx="0">
+            <a:schemeClr val="dk1"/>
+          </a:fillRef>
+          <a:effectRef idx="0">
+            <a:schemeClr val="dk1"/>
+          </a:effectRef>
+          <a:fontRef idx="minor">
+            <a:schemeClr val="tx1"/>
+          </a:fontRef>
+        </p:style>
+        <p:txBody>
+          <a:bodyPr rtlCol="0" anchor="ctr"/>
+          <a:lstStyle/>
+          <a:p>
+            <a:pPr algn="ctr"/>
+            <a:endParaRPr lang="es-ES" dirty="0"/>
+          </a:p>
+        </p:txBody>
+      </p:sp>
+      <p:sp>
+        <p:nvSpPr>
+          <p:cNvPr id="18" name="CuadroTexto 17">
+            <a:extLst>
+              <a:ext uri="{FF2B5EF4-FFF2-40B4-BE49-F238E27FC236}">
+                <a16:creationId xmlns:a16="http://schemas.microsoft.com/office/drawing/2014/main" id="{6B789C59-0C54-B1CD-2C60-28DB19064495}"/>
+              </a:ext>
+            </a:extLst>
+          </p:cNvPr>
+          <p:cNvSpPr txBox="1"/>
+          <p:nvPr/>
+        </p:nvSpPr>
+        <p:spPr>
+          <a:xfrm>
+            <a:off x="8457989" y="1356249"/>
+            <a:ext cx="3031214" cy="923330"/>
+          </a:xfrm>
+          <a:prstGeom prst="rect">
+            <a:avLst/>
+          </a:prstGeom>
+          <a:noFill/>
+        </p:spPr>
+        <p:txBody>
+          <a:bodyPr wrap="none" rtlCol="0">
+            <a:spAutoFit/>
+          </a:bodyPr>
+          <a:lstStyle/>
+          <a:p>
+            <a:pPr algn="ctr"/>
+            <a:r>
+              <a:rPr lang="es-ES" b="1" dirty="0"/>
+              <a:t>Revisiones/preparación</a:t>
+            </a:r>
+          </a:p>
+          <a:p>
+            <a:pPr algn="ctr"/>
+            <a:r>
+              <a:rPr lang="es-ES" dirty="0"/>
+              <a:t>para la siguiente temporada y</a:t>
+            </a:r>
+          </a:p>
+          <a:p>
+            <a:pPr algn="ctr"/>
+            <a:r>
+              <a:rPr lang="es-ES" dirty="0"/>
+              <a:t>[</a:t>
+            </a:r>
+            <a:r>
+              <a:rPr lang="es-ES" dirty="0" err="1"/>
+              <a:t>Sep</a:t>
+            </a:r>
+            <a:r>
+              <a:rPr lang="es-ES" dirty="0"/>
+              <a:t>-Oct] </a:t>
+            </a:r>
+            <a:r>
+              <a:rPr lang="es-ES" b="1" dirty="0"/>
+              <a:t>Exámenes</a:t>
+            </a:r>
+          </a:p>
+        </p:txBody>
+      </p:sp>
+      <p:sp>
+        <p:nvSpPr>
+          <p:cNvPr id="19" name="Abrir llave 18">
+            <a:extLst>
+              <a:ext uri="{FF2B5EF4-FFF2-40B4-BE49-F238E27FC236}">
+                <a16:creationId xmlns:a16="http://schemas.microsoft.com/office/drawing/2014/main" id="{20931B09-6D7A-146D-B4FB-20B78743A1E8}"/>
+              </a:ext>
+            </a:extLst>
+          </p:cNvPr>
+          <p:cNvSpPr/>
+          <p:nvPr/>
+        </p:nvSpPr>
+        <p:spPr>
+          <a:xfrm rot="16200000">
+            <a:off x="4052024" y="451227"/>
+            <a:ext cx="324000" cy="3761673"/>
+          </a:xfrm>
+          <a:prstGeom prst="leftBrace">
+            <a:avLst>
+              <a:gd name="adj1" fmla="val 220858"/>
+              <a:gd name="adj2" fmla="val 50000"/>
+            </a:avLst>
+          </a:prstGeom>
+        </p:spPr>
+        <p:style>
+          <a:lnRef idx="1">
+            <a:schemeClr val="dk1"/>
+          </a:lnRef>
+          <a:fillRef idx="0">
+            <a:schemeClr val="dk1"/>
+          </a:fillRef>
+          <a:effectRef idx="0">
+            <a:schemeClr val="dk1"/>
+          </a:effectRef>
+          <a:fontRef idx="minor">
+            <a:schemeClr val="tx1"/>
+          </a:fontRef>
+        </p:style>
+        <p:txBody>
+          <a:bodyPr rtlCol="0" anchor="ctr"/>
+          <a:lstStyle/>
+          <a:p>
+            <a:pPr algn="ctr"/>
+            <a:endParaRPr lang="es-ES" dirty="0"/>
+          </a:p>
+        </p:txBody>
+      </p:sp>
+      <p:sp>
+        <p:nvSpPr>
+          <p:cNvPr id="30" name="CuadroTexto 29">
+            <a:extLst>
+              <a:ext uri="{FF2B5EF4-FFF2-40B4-BE49-F238E27FC236}">
+                <a16:creationId xmlns:a16="http://schemas.microsoft.com/office/drawing/2014/main" id="{4B93B619-4416-6A3A-FCD2-EDBB199D7F60}"/>
+              </a:ext>
+            </a:extLst>
+          </p:cNvPr>
+          <p:cNvSpPr txBox="1"/>
+          <p:nvPr/>
+        </p:nvSpPr>
+        <p:spPr>
+          <a:xfrm>
+            <a:off x="849060" y="2553793"/>
+            <a:ext cx="1338828" cy="646331"/>
+          </a:xfrm>
+          <a:prstGeom prst="rect">
+            <a:avLst/>
+          </a:prstGeom>
+          <a:noFill/>
+        </p:spPr>
+        <p:txBody>
+          <a:bodyPr wrap="none" rtlCol="0">
+            <a:spAutoFit/>
+          </a:bodyPr>
+          <a:lstStyle/>
+          <a:p>
+            <a:pPr algn="ctr"/>
+            <a:r>
+              <a:rPr lang="es-ES" b="1" dirty="0"/>
+              <a:t>Leña para</a:t>
+            </a:r>
+          </a:p>
+          <a:p>
+            <a:pPr algn="ctr"/>
+            <a:r>
+              <a:rPr lang="es-ES" b="1" dirty="0"/>
+              <a:t>la chimenea</a:t>
+            </a:r>
+          </a:p>
+        </p:txBody>
+      </p:sp>
+      <p:sp>
+        <p:nvSpPr>
+          <p:cNvPr id="34" name="Abrir llave 33">
+            <a:extLst>
+              <a:ext uri="{FF2B5EF4-FFF2-40B4-BE49-F238E27FC236}">
+                <a16:creationId xmlns:a16="http://schemas.microsoft.com/office/drawing/2014/main" id="{995B0F1B-6A40-FB8F-F6F1-5B60B10B9CB6}"/>
+              </a:ext>
+            </a:extLst>
+          </p:cNvPr>
+          <p:cNvSpPr/>
+          <p:nvPr/>
+        </p:nvSpPr>
+        <p:spPr>
+          <a:xfrm rot="16200000">
+            <a:off x="6717144" y="1130236"/>
+            <a:ext cx="324000" cy="1470295"/>
+          </a:xfrm>
+          <a:prstGeom prst="leftBrace">
+            <a:avLst>
+              <a:gd name="adj1" fmla="val 220858"/>
+              <a:gd name="adj2" fmla="val 50000"/>
+            </a:avLst>
+          </a:prstGeom>
+        </p:spPr>
+        <p:style>
+          <a:lnRef idx="1">
+            <a:schemeClr val="dk1"/>
+          </a:lnRef>
+          <a:fillRef idx="0">
+            <a:schemeClr val="dk1"/>
+          </a:fillRef>
+          <a:effectRef idx="0">
+            <a:schemeClr val="dk1"/>
+          </a:effectRef>
+          <a:fontRef idx="minor">
+            <a:schemeClr val="tx1"/>
+          </a:fontRef>
+        </p:style>
+        <p:txBody>
+          <a:bodyPr rtlCol="0" anchor="ctr"/>
+          <a:lstStyle/>
+          <a:p>
+            <a:pPr algn="ctr"/>
+            <a:endParaRPr lang="es-ES" dirty="0"/>
+          </a:p>
+        </p:txBody>
+      </p:sp>
+      <p:sp>
+        <p:nvSpPr>
+          <p:cNvPr id="42" name="CuadroTexto 41">
+            <a:extLst>
+              <a:ext uri="{FF2B5EF4-FFF2-40B4-BE49-F238E27FC236}">
+                <a16:creationId xmlns:a16="http://schemas.microsoft.com/office/drawing/2014/main" id="{E8A27299-9D90-3D1C-4292-2C577A25FBAE}"/>
+              </a:ext>
+            </a:extLst>
+          </p:cNvPr>
+          <p:cNvSpPr txBox="1"/>
+          <p:nvPr/>
+        </p:nvSpPr>
+        <p:spPr>
+          <a:xfrm>
+            <a:off x="5786029" y="1960157"/>
+            <a:ext cx="2778902" cy="646331"/>
+          </a:xfrm>
+          <a:prstGeom prst="rect">
+            <a:avLst/>
+          </a:prstGeom>
+          <a:noFill/>
+        </p:spPr>
+        <p:txBody>
+          <a:bodyPr wrap="none" rtlCol="0">
+            <a:spAutoFit/>
+          </a:bodyPr>
+          <a:lstStyle/>
+          <a:p>
+            <a:pPr algn="ctr"/>
+            <a:r>
+              <a:rPr lang="es-ES" b="1" dirty="0"/>
+              <a:t>Llega el calor;</a:t>
+            </a:r>
+          </a:p>
+          <a:p>
+            <a:pPr algn="ctr"/>
+            <a:r>
+              <a:rPr lang="es-ES" b="1" dirty="0"/>
+              <a:t>Echar veneno para insectos</a:t>
             </a:r>
           </a:p>
         </p:txBody>
